--- a/test/pptx/content-with-caption/heading-text-image/output.pptx
+++ b/test/pptx/content-with-caption/heading-text-image/output.pptx
@@ -3179,7 +3179,9 @@
         <p:nvSpPr>
           <p:cNvPr id="1" name="TextBox 3"/>
           <p:cNvSpPr txBox="1"/>
-          <p:nvPr/>
+          <p:nvPr>
+            <p:ph idx="1"/>
+          </p:nvPr>
         </p:nvSpPr>
         <p:spPr>
           <a:xfrm>
